--- a/Optimizacija upita MySQL.pptx
+++ b/Optimizacija upita MySQL.pptx
@@ -5869,7 +5869,7 @@
           <a:p>
             <a:r>
               <a:rPr lang="sr-Latn-RS" dirty="0"/>
-              <a:t>Optimizacija upita kod MySQL-a</a:t>
+              <a:t>Optimizacija upita kod MySQL</a:t>
             </a:r>
           </a:p>
         </p:txBody>
